--- a/ChurnAnalysis.pptx
+++ b/ChurnAnalysis.pptx
@@ -18,6 +18,9 @@
     <p:sldId id="268" r:id="rId12"/>
     <p:sldId id="269" r:id="rId13"/>
     <p:sldId id="270" r:id="rId14"/>
+    <p:sldId id="271" r:id="rId15"/>
+    <p:sldId id="272" r:id="rId16"/>
+    <p:sldId id="273" r:id="rId17"/>
   </p:sldIdLst>
   <p:sldSz cx="12192000" cy="6858000"/>
   <p:notesSz cx="6858000" cy="9144000"/>
@@ -116,6 +119,11 @@
       </a:defRPr>
     </a:lvl9pPr>
   </p:defaultTextStyle>
+  <p:extLst>
+    <p:ext uri="{EFAFB233-063F-42B5-8137-9DF3F51BA10A}">
+      <p15:sldGuideLst xmlns:p15="http://schemas.microsoft.com/office/powerpoint/2012/main"/>
+    </p:ext>
+  </p:extLst>
 </p:presentation>
 </file>
 
@@ -3464,7 +3472,7 @@
         </p:spPr>
         <p:txBody>
           <a:bodyPr>
-            <a:normAutofit fontScale="92500" lnSpcReduction="20000"/>
+            <a:normAutofit fontScale="77500" lnSpcReduction="20000"/>
           </a:bodyPr>
           <a:lstStyle/>
           <a:p>
@@ -3486,7 +3494,7 @@
             </a:r>
             <a:r>
               <a:rPr lang="en-US" dirty="0"/>
-              <a:t> model</a:t>
+              <a:t> model and used 80:20 split for evaluation</a:t>
             </a:r>
           </a:p>
           <a:p>
@@ -3500,6 +3508,17 @@
               <a:rPr lang="en-US" dirty="0"/>
               <a:t>Experimented by keeping the region and removing the region but there is no much difference in the final f1 score for generic model</a:t>
             </a:r>
+          </a:p>
+          <a:p>
+            <a:r>
+              <a:rPr lang="en-US" dirty="0"/>
+              <a:t>Training Results: executions</a:t>
+            </a:r>
+            <a:r>
+              <a:rPr lang="en-SG" dirty="0"/>
+              <a:t>/11072022174134/</a:t>
+            </a:r>
+            <a:endParaRPr lang="en-US" dirty="0"/>
           </a:p>
         </p:txBody>
       </p:sp>
@@ -3586,59 +3605,26 @@
           <a:p>
             <a:r>
               <a:rPr lang="en-US" dirty="0"/>
-              <a:t>Model Training</a:t>
-            </a:r>
-          </a:p>
-        </p:txBody>
-      </p:sp>
-      <p:sp>
-        <p:nvSpPr>
-          <p:cNvPr id="3" name="Content Placeholder 2">
-            <a:extLst>
-              <a:ext uri="{FF2B5EF4-FFF2-40B4-BE49-F238E27FC236}">
-                <a16:creationId xmlns:a16="http://schemas.microsoft.com/office/drawing/2014/main" id="{C77C9795-91EF-AF14-A6A7-2C760C2D7ED8}"/>
-              </a:ext>
-            </a:extLst>
-          </p:cNvPr>
-          <p:cNvSpPr>
-            <a:spLocks noGrp="1"/>
-          </p:cNvSpPr>
-          <p:nvPr>
-            <p:ph idx="1"/>
-          </p:nvPr>
-        </p:nvSpPr>
-        <p:spPr>
-          <a:xfrm>
-            <a:off x="838200" y="4322909"/>
-            <a:ext cx="10515600" cy="900628"/>
-          </a:xfrm>
-        </p:spPr>
-        <p:txBody>
-          <a:bodyPr>
-            <a:normAutofit/>
-          </a:bodyPr>
-          <a:lstStyle/>
-          <a:p>
-            <a:r>
-              <a:rPr lang="en-US" dirty="0"/>
-              <a:t>TODO: Add the images of the f1 score and Roc and AUC curves for every region </a:t>
+              <a:t>Model Training – Region Based F1 Scores</a:t>
             </a:r>
           </a:p>
         </p:txBody>
       </p:sp>
       <p:pic>
         <p:nvPicPr>
-          <p:cNvPr id="5" name="Picture 4">
-            <a:extLst>
-              <a:ext uri="{FF2B5EF4-FFF2-40B4-BE49-F238E27FC236}">
-                <a16:creationId xmlns:a16="http://schemas.microsoft.com/office/drawing/2014/main" id="{837124BC-335C-F09C-FBF2-3414C0F629CA}"/>
+          <p:cNvPr id="8" name="Content Placeholder 7">
+            <a:extLst>
+              <a:ext uri="{FF2B5EF4-FFF2-40B4-BE49-F238E27FC236}">
+                <a16:creationId xmlns:a16="http://schemas.microsoft.com/office/drawing/2014/main" id="{6D61E081-5B2A-C385-8D6C-3A5BCDBEDBD8}"/>
               </a:ext>
             </a:extLst>
           </p:cNvPr>
           <p:cNvPicPr>
-            <a:picLocks noChangeAspect="1"/>
+            <a:picLocks noGrp="1" noChangeAspect="1"/>
           </p:cNvPicPr>
-          <p:nvPr/>
+          <p:nvPr>
+            <p:ph idx="1"/>
+          </p:nvPr>
         </p:nvPicPr>
         <p:blipFill>
           <a:blip r:embed="rId2"/>
@@ -3648,14 +3634,241 @@
         </p:blipFill>
         <p:spPr>
           <a:xfrm>
-            <a:off x="838199" y="1473200"/>
-            <a:ext cx="10208741" cy="2642262"/>
+            <a:off x="1608082" y="1302323"/>
+            <a:ext cx="3141275" cy="2571535"/>
+          </a:xfrm>
+        </p:spPr>
+      </p:pic>
+      <p:pic>
+        <p:nvPicPr>
+          <p:cNvPr id="10" name="Picture 9">
+            <a:extLst>
+              <a:ext uri="{FF2B5EF4-FFF2-40B4-BE49-F238E27FC236}">
+                <a16:creationId xmlns:a16="http://schemas.microsoft.com/office/drawing/2014/main" id="{2643E844-5523-ACC7-8D21-3D585C340BAC}"/>
+              </a:ext>
+            </a:extLst>
+          </p:cNvPr>
+          <p:cNvPicPr>
+            <a:picLocks noChangeAspect="1"/>
+          </p:cNvPicPr>
+          <p:nvPr/>
+        </p:nvPicPr>
+        <p:blipFill>
+          <a:blip r:embed="rId3"/>
+          <a:stretch>
+            <a:fillRect/>
+          </a:stretch>
+        </p:blipFill>
+        <p:spPr>
+          <a:xfrm>
+            <a:off x="5872007" y="1302323"/>
+            <a:ext cx="3141276" cy="2571535"/>
           </a:xfrm>
           <a:prstGeom prst="rect">
             <a:avLst/>
           </a:prstGeom>
         </p:spPr>
       </p:pic>
+      <p:pic>
+        <p:nvPicPr>
+          <p:cNvPr id="12" name="Picture 11">
+            <a:extLst>
+              <a:ext uri="{FF2B5EF4-FFF2-40B4-BE49-F238E27FC236}">
+                <a16:creationId xmlns:a16="http://schemas.microsoft.com/office/drawing/2014/main" id="{B92AF981-EFA5-F444-F1BF-671CD3BD0195}"/>
+              </a:ext>
+            </a:extLst>
+          </p:cNvPr>
+          <p:cNvPicPr>
+            <a:picLocks noChangeAspect="1"/>
+          </p:cNvPicPr>
+          <p:nvPr/>
+        </p:nvPicPr>
+        <p:blipFill>
+          <a:blip r:embed="rId4"/>
+          <a:stretch>
+            <a:fillRect/>
+          </a:stretch>
+        </p:blipFill>
+        <p:spPr>
+          <a:xfrm>
+            <a:off x="1683625" y="4105086"/>
+            <a:ext cx="2990188" cy="2447849"/>
+          </a:xfrm>
+          <a:prstGeom prst="rect">
+            <a:avLst/>
+          </a:prstGeom>
+        </p:spPr>
+      </p:pic>
+      <p:pic>
+        <p:nvPicPr>
+          <p:cNvPr id="14" name="Picture 13">
+            <a:extLst>
+              <a:ext uri="{FF2B5EF4-FFF2-40B4-BE49-F238E27FC236}">
+                <a16:creationId xmlns:a16="http://schemas.microsoft.com/office/drawing/2014/main" id="{19656020-647B-298E-B892-5AFACF0F9A5D}"/>
+              </a:ext>
+            </a:extLst>
+          </p:cNvPr>
+          <p:cNvPicPr>
+            <a:picLocks noChangeAspect="1"/>
+          </p:cNvPicPr>
+          <p:nvPr/>
+        </p:nvPicPr>
+        <p:blipFill>
+          <a:blip r:embed="rId5"/>
+          <a:stretch>
+            <a:fillRect/>
+          </a:stretch>
+        </p:blipFill>
+        <p:spPr>
+          <a:xfrm>
+            <a:off x="6096000" y="4105086"/>
+            <a:ext cx="2876467" cy="2354755"/>
+          </a:xfrm>
+          <a:prstGeom prst="rect">
+            <a:avLst/>
+          </a:prstGeom>
+        </p:spPr>
+      </p:pic>
+      <p:sp>
+        <p:nvSpPr>
+          <p:cNvPr id="15" name="TextBox 14">
+            <a:extLst>
+              <a:ext uri="{FF2B5EF4-FFF2-40B4-BE49-F238E27FC236}">
+                <a16:creationId xmlns:a16="http://schemas.microsoft.com/office/drawing/2014/main" id="{E4F7AF78-C385-4391-F42F-5E7CB748F96C}"/>
+              </a:ext>
+            </a:extLst>
+          </p:cNvPr>
+          <p:cNvSpPr txBox="1"/>
+          <p:nvPr/>
+        </p:nvSpPr>
+        <p:spPr>
+          <a:xfrm>
+            <a:off x="2511973" y="3800347"/>
+            <a:ext cx="1627818" cy="369332"/>
+          </a:xfrm>
+          <a:prstGeom prst="rect">
+            <a:avLst/>
+          </a:prstGeom>
+          <a:noFill/>
+        </p:spPr>
+        <p:txBody>
+          <a:bodyPr wrap="none" rtlCol="0">
+            <a:spAutoFit/>
+          </a:bodyPr>
+          <a:lstStyle/>
+          <a:p>
+            <a:r>
+              <a:rPr lang="en-US" dirty="0"/>
+              <a:t>Region code - 8</a:t>
+            </a:r>
+          </a:p>
+        </p:txBody>
+      </p:sp>
+      <p:sp>
+        <p:nvSpPr>
+          <p:cNvPr id="16" name="TextBox 15">
+            <a:extLst>
+              <a:ext uri="{FF2B5EF4-FFF2-40B4-BE49-F238E27FC236}">
+                <a16:creationId xmlns:a16="http://schemas.microsoft.com/office/drawing/2014/main" id="{5ACDF7E7-1134-E34A-C848-B1BD47BE8895}"/>
+              </a:ext>
+            </a:extLst>
+          </p:cNvPr>
+          <p:cNvSpPr txBox="1"/>
+          <p:nvPr/>
+        </p:nvSpPr>
+        <p:spPr>
+          <a:xfrm>
+            <a:off x="6628736" y="3768877"/>
+            <a:ext cx="1744837" cy="369332"/>
+          </a:xfrm>
+          <a:prstGeom prst="rect">
+            <a:avLst/>
+          </a:prstGeom>
+          <a:noFill/>
+        </p:spPr>
+        <p:txBody>
+          <a:bodyPr wrap="none" rtlCol="0">
+            <a:spAutoFit/>
+          </a:bodyPr>
+          <a:lstStyle/>
+          <a:p>
+            <a:r>
+              <a:rPr lang="en-US" dirty="0"/>
+              <a:t>Region code - 28</a:t>
+            </a:r>
+          </a:p>
+        </p:txBody>
+      </p:sp>
+      <p:sp>
+        <p:nvSpPr>
+          <p:cNvPr id="17" name="TextBox 16">
+            <a:extLst>
+              <a:ext uri="{FF2B5EF4-FFF2-40B4-BE49-F238E27FC236}">
+                <a16:creationId xmlns:a16="http://schemas.microsoft.com/office/drawing/2014/main" id="{63093E94-0157-079F-7C08-533C9CB3C123}"/>
+              </a:ext>
+            </a:extLst>
+          </p:cNvPr>
+          <p:cNvSpPr txBox="1"/>
+          <p:nvPr/>
+        </p:nvSpPr>
+        <p:spPr>
+          <a:xfrm>
+            <a:off x="2364810" y="6494528"/>
+            <a:ext cx="1744837" cy="369332"/>
+          </a:xfrm>
+          <a:prstGeom prst="rect">
+            <a:avLst/>
+          </a:prstGeom>
+          <a:noFill/>
+        </p:spPr>
+        <p:txBody>
+          <a:bodyPr wrap="none" rtlCol="0">
+            <a:spAutoFit/>
+          </a:bodyPr>
+          <a:lstStyle/>
+          <a:p>
+            <a:r>
+              <a:rPr lang="en-US" dirty="0"/>
+              <a:t>Region code - 46</a:t>
+            </a:r>
+          </a:p>
+        </p:txBody>
+      </p:sp>
+      <p:sp>
+        <p:nvSpPr>
+          <p:cNvPr id="18" name="TextBox 17">
+            <a:extLst>
+              <a:ext uri="{FF2B5EF4-FFF2-40B4-BE49-F238E27FC236}">
+                <a16:creationId xmlns:a16="http://schemas.microsoft.com/office/drawing/2014/main" id="{91681EC3-676C-05CE-8096-BE8FE81B0374}"/>
+              </a:ext>
+            </a:extLst>
+          </p:cNvPr>
+          <p:cNvSpPr txBox="1"/>
+          <p:nvPr/>
+        </p:nvSpPr>
+        <p:spPr>
+          <a:xfrm>
+            <a:off x="6687245" y="6461433"/>
+            <a:ext cx="2201372" cy="369332"/>
+          </a:xfrm>
+          <a:prstGeom prst="rect">
+            <a:avLst/>
+          </a:prstGeom>
+          <a:noFill/>
+        </p:spPr>
+        <p:txBody>
+          <a:bodyPr wrap="none" rtlCol="0">
+            <a:spAutoFit/>
+          </a:bodyPr>
+          <a:lstStyle/>
+          <a:p>
+            <a:r>
+              <a:rPr lang="en-US" dirty="0"/>
+              <a:t>Region code - generic</a:t>
+            </a:r>
+          </a:p>
+        </p:txBody>
+      </p:sp>
     </p:spTree>
     <p:extLst>
       <p:ext uri="{BB962C8B-B14F-4D97-AF65-F5344CB8AC3E}">
@@ -3714,54 +3927,21 @@
           </a:p>
         </p:txBody>
       </p:sp>
-      <p:sp>
-        <p:nvSpPr>
-          <p:cNvPr id="3" name="Content Placeholder 2">
-            <a:extLst>
-              <a:ext uri="{FF2B5EF4-FFF2-40B4-BE49-F238E27FC236}">
-                <a16:creationId xmlns:a16="http://schemas.microsoft.com/office/drawing/2014/main" id="{C77C9795-91EF-AF14-A6A7-2C760C2D7ED8}"/>
-              </a:ext>
-            </a:extLst>
-          </p:cNvPr>
-          <p:cNvSpPr>
-            <a:spLocks noGrp="1"/>
-          </p:cNvSpPr>
-          <p:nvPr>
-            <p:ph idx="1"/>
-          </p:nvPr>
-        </p:nvSpPr>
-        <p:spPr>
-          <a:xfrm>
-            <a:off x="838200" y="4322909"/>
-            <a:ext cx="10515600" cy="900628"/>
-          </a:xfrm>
-        </p:spPr>
-        <p:txBody>
-          <a:bodyPr>
-            <a:normAutofit/>
-          </a:bodyPr>
-          <a:lstStyle/>
-          <a:p>
-            <a:r>
-              <a:rPr lang="en-US" dirty="0"/>
-              <a:t>TODO: Add the images of the f1 score and Roc and AUC curves for every region </a:t>
-            </a:r>
-          </a:p>
-        </p:txBody>
-      </p:sp>
       <p:pic>
         <p:nvPicPr>
-          <p:cNvPr id="5" name="Picture 4">
-            <a:extLst>
-              <a:ext uri="{FF2B5EF4-FFF2-40B4-BE49-F238E27FC236}">
-                <a16:creationId xmlns:a16="http://schemas.microsoft.com/office/drawing/2014/main" id="{837124BC-335C-F09C-FBF2-3414C0F629CA}"/>
+          <p:cNvPr id="8" name="Content Placeholder 7">
+            <a:extLst>
+              <a:ext uri="{FF2B5EF4-FFF2-40B4-BE49-F238E27FC236}">
+                <a16:creationId xmlns:a16="http://schemas.microsoft.com/office/drawing/2014/main" id="{E37EEF47-9818-9D69-14FB-DA022C9CB3BB}"/>
               </a:ext>
             </a:extLst>
           </p:cNvPr>
           <p:cNvPicPr>
-            <a:picLocks noChangeAspect="1"/>
+            <a:picLocks noGrp="1" noChangeAspect="1"/>
           </p:cNvPicPr>
-          <p:nvPr/>
+          <p:nvPr>
+            <p:ph idx="1"/>
+          </p:nvPr>
         </p:nvPicPr>
         <p:blipFill>
           <a:blip r:embed="rId2"/>
@@ -3771,14 +3951,86 @@
         </p:blipFill>
         <p:spPr>
           <a:xfrm>
-            <a:off x="838199" y="1473200"/>
-            <a:ext cx="10208741" cy="2642262"/>
+            <a:off x="1147598" y="1690688"/>
+            <a:ext cx="7962900" cy="4152900"/>
+          </a:xfrm>
+        </p:spPr>
+      </p:pic>
+      <p:sp>
+        <p:nvSpPr>
+          <p:cNvPr id="11" name="TextBox 10">
+            <a:extLst>
+              <a:ext uri="{FF2B5EF4-FFF2-40B4-BE49-F238E27FC236}">
+                <a16:creationId xmlns:a16="http://schemas.microsoft.com/office/drawing/2014/main" id="{F5B79181-67E2-6EB2-5417-7F18CBBD3497}"/>
+              </a:ext>
+            </a:extLst>
+          </p:cNvPr>
+          <p:cNvSpPr txBox="1"/>
+          <p:nvPr/>
+        </p:nvSpPr>
+        <p:spPr>
+          <a:xfrm>
+            <a:off x="4603471" y="5658922"/>
+            <a:ext cx="3968330" cy="369332"/>
           </a:xfrm>
           <a:prstGeom prst="rect">
             <a:avLst/>
           </a:prstGeom>
+          <a:noFill/>
         </p:spPr>
-      </p:pic>
+        <p:txBody>
+          <a:bodyPr wrap="none" rtlCol="0">
+            <a:spAutoFit/>
+          </a:bodyPr>
+          <a:lstStyle/>
+          <a:p>
+            <a:r>
+              <a:rPr lang="en-US" dirty="0"/>
+              <a:t>Feature Importance for Region Code 28</a:t>
+            </a:r>
+          </a:p>
+        </p:txBody>
+      </p:sp>
+      <p:sp>
+        <p:nvSpPr>
+          <p:cNvPr id="12" name="TextBox 11">
+            <a:extLst>
+              <a:ext uri="{FF2B5EF4-FFF2-40B4-BE49-F238E27FC236}">
+                <a16:creationId xmlns:a16="http://schemas.microsoft.com/office/drawing/2014/main" id="{701191EB-1074-738F-E661-3E0BD6FA35B7}"/>
+              </a:ext>
+            </a:extLst>
+          </p:cNvPr>
+          <p:cNvSpPr txBox="1"/>
+          <p:nvPr/>
+        </p:nvSpPr>
+        <p:spPr>
+          <a:xfrm>
+            <a:off x="838200" y="6123543"/>
+            <a:ext cx="5326907" cy="369332"/>
+          </a:xfrm>
+          <a:prstGeom prst="rect">
+            <a:avLst/>
+          </a:prstGeom>
+          <a:noFill/>
+        </p:spPr>
+        <p:txBody>
+          <a:bodyPr wrap="none" rtlCol="0">
+            <a:spAutoFit/>
+          </a:bodyPr>
+          <a:lstStyle/>
+          <a:p>
+            <a:r>
+              <a:rPr lang="en-US" dirty="0"/>
+              <a:t>Used the default feature importance from the </a:t>
+            </a:r>
+            <a:r>
+              <a:rPr lang="en-US" dirty="0" err="1"/>
+              <a:t>XGBoost</a:t>
+            </a:r>
+            <a:endParaRPr lang="en-US" dirty="0"/>
+          </a:p>
+        </p:txBody>
+      </p:sp>
     </p:spTree>
     <p:extLst>
       <p:ext uri="{BB962C8B-B14F-4D97-AF65-F5344CB8AC3E}">
@@ -3837,54 +4089,21 @@
           </a:p>
         </p:txBody>
       </p:sp>
-      <p:sp>
-        <p:nvSpPr>
-          <p:cNvPr id="3" name="Content Placeholder 2">
-            <a:extLst>
-              <a:ext uri="{FF2B5EF4-FFF2-40B4-BE49-F238E27FC236}">
-                <a16:creationId xmlns:a16="http://schemas.microsoft.com/office/drawing/2014/main" id="{C77C9795-91EF-AF14-A6A7-2C760C2D7ED8}"/>
-              </a:ext>
-            </a:extLst>
-          </p:cNvPr>
-          <p:cNvSpPr>
-            <a:spLocks noGrp="1"/>
-          </p:cNvSpPr>
-          <p:nvPr>
-            <p:ph idx="1"/>
-          </p:nvPr>
-        </p:nvSpPr>
-        <p:spPr>
-          <a:xfrm>
-            <a:off x="838200" y="4322909"/>
-            <a:ext cx="10515600" cy="900628"/>
-          </a:xfrm>
-        </p:spPr>
-        <p:txBody>
-          <a:bodyPr>
-            <a:normAutofit/>
-          </a:bodyPr>
-          <a:lstStyle/>
-          <a:p>
-            <a:r>
-              <a:rPr lang="en-US" dirty="0"/>
-              <a:t>TODO: Add the images of the f1 score and Roc and AUC curves for every region </a:t>
-            </a:r>
-          </a:p>
-        </p:txBody>
-      </p:sp>
       <p:pic>
         <p:nvPicPr>
-          <p:cNvPr id="5" name="Picture 4">
-            <a:extLst>
-              <a:ext uri="{FF2B5EF4-FFF2-40B4-BE49-F238E27FC236}">
-                <a16:creationId xmlns:a16="http://schemas.microsoft.com/office/drawing/2014/main" id="{837124BC-335C-F09C-FBF2-3414C0F629CA}"/>
+          <p:cNvPr id="8" name="Content Placeholder 7">
+            <a:extLst>
+              <a:ext uri="{FF2B5EF4-FFF2-40B4-BE49-F238E27FC236}">
+                <a16:creationId xmlns:a16="http://schemas.microsoft.com/office/drawing/2014/main" id="{4912F5DE-5D20-4BA6-4A2C-7F6175CA1216}"/>
               </a:ext>
             </a:extLst>
           </p:cNvPr>
           <p:cNvPicPr>
-            <a:picLocks noChangeAspect="1"/>
+            <a:picLocks noGrp="1" noChangeAspect="1"/>
           </p:cNvPicPr>
-          <p:nvPr/>
+          <p:nvPr>
+            <p:ph idx="1"/>
+          </p:nvPr>
         </p:nvPicPr>
         <p:blipFill>
           <a:blip r:embed="rId2"/>
@@ -3894,18 +4113,431 @@
         </p:blipFill>
         <p:spPr>
           <a:xfrm>
-            <a:off x="838199" y="1473200"/>
-            <a:ext cx="10208741" cy="2642262"/>
+            <a:off x="2089150" y="1690688"/>
+            <a:ext cx="8013700" cy="4152900"/>
+          </a:xfrm>
+        </p:spPr>
+      </p:pic>
+      <p:sp>
+        <p:nvSpPr>
+          <p:cNvPr id="9" name="TextBox 8">
+            <a:extLst>
+              <a:ext uri="{FF2B5EF4-FFF2-40B4-BE49-F238E27FC236}">
+                <a16:creationId xmlns:a16="http://schemas.microsoft.com/office/drawing/2014/main" id="{E59CF184-F201-1A37-7A85-22436980FC11}"/>
+              </a:ext>
+            </a:extLst>
+          </p:cNvPr>
+          <p:cNvSpPr txBox="1"/>
+          <p:nvPr/>
+        </p:nvSpPr>
+        <p:spPr>
+          <a:xfrm>
+            <a:off x="5013374" y="6123543"/>
+            <a:ext cx="4335098" cy="369332"/>
           </a:xfrm>
           <a:prstGeom prst="rect">
             <a:avLst/>
           </a:prstGeom>
+          <a:noFill/>
         </p:spPr>
-      </p:pic>
+        <p:txBody>
+          <a:bodyPr wrap="none" rtlCol="0">
+            <a:spAutoFit/>
+          </a:bodyPr>
+          <a:lstStyle/>
+          <a:p>
+            <a:r>
+              <a:rPr lang="en-US" dirty="0"/>
+              <a:t>Feature Importance for Region Code generic</a:t>
+            </a:r>
+          </a:p>
+        </p:txBody>
+      </p:sp>
     </p:spTree>
     <p:extLst>
       <p:ext uri="{BB962C8B-B14F-4D97-AF65-F5344CB8AC3E}">
         <p14:creationId xmlns:p14="http://schemas.microsoft.com/office/powerpoint/2010/main" val="2688114333"/>
+      </p:ext>
+    </p:extLst>
+  </p:cSld>
+  <p:clrMapOvr>
+    <a:masterClrMapping/>
+  </p:clrMapOvr>
+</p:sld>
+</file>
+
+<file path=ppt/slides/slide14.xml><?xml version="1.0" encoding="utf-8"?>
+<p:sld xmlns:a="http://schemas.openxmlformats.org/drawingml/2006/main" xmlns:r="http://schemas.openxmlformats.org/officeDocument/2006/relationships" xmlns:p="http://schemas.openxmlformats.org/presentationml/2006/main">
+  <p:cSld>
+    <p:spTree>
+      <p:nvGrpSpPr>
+        <p:cNvPr id="1" name=""/>
+        <p:cNvGrpSpPr/>
+        <p:nvPr/>
+      </p:nvGrpSpPr>
+      <p:grpSpPr>
+        <a:xfrm>
+          <a:off x="0" y="0"/>
+          <a:ext cx="0" cy="0"/>
+          <a:chOff x="0" y="0"/>
+          <a:chExt cx="0" cy="0"/>
+        </a:xfrm>
+      </p:grpSpPr>
+      <p:sp>
+        <p:nvSpPr>
+          <p:cNvPr id="2" name="Title 1">
+            <a:extLst>
+              <a:ext uri="{FF2B5EF4-FFF2-40B4-BE49-F238E27FC236}">
+                <a16:creationId xmlns:a16="http://schemas.microsoft.com/office/drawing/2014/main" id="{E83C34D6-4FB0-6E68-6852-5EA99D6AC801}"/>
+              </a:ext>
+            </a:extLst>
+          </p:cNvPr>
+          <p:cNvSpPr>
+            <a:spLocks noGrp="1"/>
+          </p:cNvSpPr>
+          <p:nvPr>
+            <p:ph type="title"/>
+          </p:nvPr>
+        </p:nvSpPr>
+        <p:spPr/>
+        <p:txBody>
+          <a:bodyPr/>
+          <a:lstStyle/>
+          <a:p>
+            <a:r>
+              <a:rPr lang="en-US" dirty="0"/>
+              <a:t>Prediction</a:t>
+            </a:r>
+          </a:p>
+        </p:txBody>
+      </p:sp>
+      <p:sp>
+        <p:nvSpPr>
+          <p:cNvPr id="3" name="Content Placeholder 2">
+            <a:extLst>
+              <a:ext uri="{FF2B5EF4-FFF2-40B4-BE49-F238E27FC236}">
+                <a16:creationId xmlns:a16="http://schemas.microsoft.com/office/drawing/2014/main" id="{AA11C8E8-0B86-E51B-7956-AEED92ED06E9}"/>
+              </a:ext>
+            </a:extLst>
+          </p:cNvPr>
+          <p:cNvSpPr>
+            <a:spLocks noGrp="1"/>
+          </p:cNvSpPr>
+          <p:nvPr>
+            <p:ph idx="1"/>
+          </p:nvPr>
+        </p:nvSpPr>
+        <p:spPr/>
+        <p:txBody>
+          <a:bodyPr/>
+          <a:lstStyle/>
+          <a:p>
+            <a:r>
+              <a:rPr lang="en-US" dirty="0"/>
+              <a:t>Prediction uses the same pipeline generated during the training and transforms the data</a:t>
+            </a:r>
+          </a:p>
+          <a:p>
+            <a:r>
+              <a:rPr lang="en-US" dirty="0"/>
+              <a:t>Unknown values are grouped into a new category for all categorical values and for numerical values, </a:t>
+            </a:r>
+            <a:r>
+              <a:rPr lang="en-US" dirty="0" err="1"/>
+              <a:t>NaN</a:t>
+            </a:r>
+            <a:r>
+              <a:rPr lang="en-US" dirty="0"/>
+              <a:t> and unknown values are replaced by 0</a:t>
+            </a:r>
+          </a:p>
+          <a:p>
+            <a:r>
+              <a:rPr lang="en-US" dirty="0"/>
+              <a:t>Prediction Result: executions/</a:t>
+            </a:r>
+            <a:r>
+              <a:rPr lang="en-SG" dirty="0"/>
+              <a:t>11072022184627/</a:t>
+            </a:r>
+            <a:endParaRPr lang="en-US" dirty="0"/>
+          </a:p>
+          <a:p>
+            <a:endParaRPr lang="en-US" dirty="0"/>
+          </a:p>
+        </p:txBody>
+      </p:sp>
+    </p:spTree>
+    <p:extLst>
+      <p:ext uri="{BB962C8B-B14F-4D97-AF65-F5344CB8AC3E}">
+        <p14:creationId xmlns:p14="http://schemas.microsoft.com/office/powerpoint/2010/main" val="3592538128"/>
+      </p:ext>
+    </p:extLst>
+  </p:cSld>
+  <p:clrMapOvr>
+    <a:masterClrMapping/>
+  </p:clrMapOvr>
+</p:sld>
+</file>
+
+<file path=ppt/slides/slide15.xml><?xml version="1.0" encoding="utf-8"?>
+<p:sld xmlns:a="http://schemas.openxmlformats.org/drawingml/2006/main" xmlns:r="http://schemas.openxmlformats.org/officeDocument/2006/relationships" xmlns:p="http://schemas.openxmlformats.org/presentationml/2006/main">
+  <p:cSld>
+    <p:spTree>
+      <p:nvGrpSpPr>
+        <p:cNvPr id="1" name=""/>
+        <p:cNvGrpSpPr/>
+        <p:nvPr/>
+      </p:nvGrpSpPr>
+      <p:grpSpPr>
+        <a:xfrm>
+          <a:off x="0" y="0"/>
+          <a:ext cx="0" cy="0"/>
+          <a:chOff x="0" y="0"/>
+          <a:chExt cx="0" cy="0"/>
+        </a:xfrm>
+      </p:grpSpPr>
+      <p:sp>
+        <p:nvSpPr>
+          <p:cNvPr id="2" name="Title 1">
+            <a:extLst>
+              <a:ext uri="{FF2B5EF4-FFF2-40B4-BE49-F238E27FC236}">
+                <a16:creationId xmlns:a16="http://schemas.microsoft.com/office/drawing/2014/main" id="{B5CA7AF4-3717-87B5-DF94-35BA04B50C33}"/>
+              </a:ext>
+            </a:extLst>
+          </p:cNvPr>
+          <p:cNvSpPr>
+            <a:spLocks noGrp="1"/>
+          </p:cNvSpPr>
+          <p:nvPr>
+            <p:ph type="title"/>
+          </p:nvPr>
+        </p:nvSpPr>
+        <p:spPr/>
+        <p:txBody>
+          <a:bodyPr/>
+          <a:lstStyle/>
+          <a:p>
+            <a:r>
+              <a:rPr lang="en-US" dirty="0"/>
+              <a:t>Recommendations</a:t>
+            </a:r>
+          </a:p>
+        </p:txBody>
+      </p:sp>
+      <p:sp>
+        <p:nvSpPr>
+          <p:cNvPr id="3" name="Content Placeholder 2">
+            <a:extLst>
+              <a:ext uri="{FF2B5EF4-FFF2-40B4-BE49-F238E27FC236}">
+                <a16:creationId xmlns:a16="http://schemas.microsoft.com/office/drawing/2014/main" id="{096A359B-3577-E7E4-3CFC-88DEFE90A980}"/>
+              </a:ext>
+            </a:extLst>
+          </p:cNvPr>
+          <p:cNvSpPr>
+            <a:spLocks noGrp="1"/>
+          </p:cNvSpPr>
+          <p:nvPr>
+            <p:ph idx="1"/>
+          </p:nvPr>
+        </p:nvSpPr>
+        <p:spPr>
+          <a:xfrm>
+            <a:off x="838200" y="1566041"/>
+            <a:ext cx="10515600" cy="4926834"/>
+          </a:xfrm>
+        </p:spPr>
+        <p:txBody>
+          <a:bodyPr>
+            <a:normAutofit lnSpcReduction="10000"/>
+          </a:bodyPr>
+          <a:lstStyle/>
+          <a:p>
+            <a:r>
+              <a:rPr lang="en-US" dirty="0"/>
+              <a:t>Based on the urgency, team can select whether the model to output high precision or high recall</a:t>
+            </a:r>
+          </a:p>
+          <a:p>
+            <a:pPr lvl="1"/>
+            <a:r>
+              <a:rPr lang="en-US" dirty="0"/>
+              <a:t>High Recall Example: </a:t>
+            </a:r>
+          </a:p>
+          <a:p>
+            <a:pPr lvl="2"/>
+            <a:r>
+              <a:rPr lang="en-US" dirty="0"/>
+              <a:t>Using the high recall we’ll miss only few customers who will be churning, </a:t>
+            </a:r>
+          </a:p>
+          <a:p>
+            <a:pPr lvl="2"/>
+            <a:r>
+              <a:rPr lang="en-US" dirty="0"/>
+              <a:t>but we will get a lot of false positives (means a lot of additional customers). </a:t>
+            </a:r>
+          </a:p>
+          <a:p>
+            <a:pPr lvl="2"/>
+            <a:r>
+              <a:rPr lang="en-US" dirty="0"/>
+              <a:t>From the business point of view if we don’t want to loose any customer we can use high recall. </a:t>
+            </a:r>
+          </a:p>
+          <a:p>
+            <a:pPr lvl="2"/>
+            <a:r>
+              <a:rPr lang="en-US" dirty="0"/>
+              <a:t>Follow up on those many customers can be done via email (cost-effective)</a:t>
+            </a:r>
+          </a:p>
+          <a:p>
+            <a:pPr lvl="1"/>
+            <a:r>
+              <a:rPr lang="en-US" dirty="0"/>
+              <a:t>High Precision Example:</a:t>
+            </a:r>
+          </a:p>
+          <a:p>
+            <a:pPr lvl="2"/>
+            <a:r>
+              <a:rPr lang="en-US" dirty="0"/>
+              <a:t>Using the high precision we’ll get accurate number of customers who will be churning, only few customers are returned</a:t>
+            </a:r>
+          </a:p>
+          <a:p>
+            <a:pPr lvl="2"/>
+            <a:r>
+              <a:rPr lang="en-US" dirty="0"/>
+              <a:t>Only a few false positives, but a lot of false negatives customers would be there when compared to recall</a:t>
+            </a:r>
+          </a:p>
+          <a:p>
+            <a:pPr lvl="2"/>
+            <a:r>
+              <a:rPr lang="en-US" dirty="0"/>
+              <a:t>This strategy can be used when there is minimal time and we wanted to really focus on the churned customers, we can use the precision</a:t>
+            </a:r>
+          </a:p>
+          <a:p>
+            <a:pPr lvl="1"/>
+            <a:endParaRPr lang="en-US" dirty="0"/>
+          </a:p>
+        </p:txBody>
+      </p:sp>
+    </p:spTree>
+    <p:extLst>
+      <p:ext uri="{BB962C8B-B14F-4D97-AF65-F5344CB8AC3E}">
+        <p14:creationId xmlns:p14="http://schemas.microsoft.com/office/powerpoint/2010/main" val="1971572349"/>
+      </p:ext>
+    </p:extLst>
+  </p:cSld>
+  <p:clrMapOvr>
+    <a:masterClrMapping/>
+  </p:clrMapOvr>
+</p:sld>
+</file>
+
+<file path=ppt/slides/slide16.xml><?xml version="1.0" encoding="utf-8"?>
+<p:sld xmlns:a="http://schemas.openxmlformats.org/drawingml/2006/main" xmlns:r="http://schemas.openxmlformats.org/officeDocument/2006/relationships" xmlns:p="http://schemas.openxmlformats.org/presentationml/2006/main">
+  <p:cSld>
+    <p:spTree>
+      <p:nvGrpSpPr>
+        <p:cNvPr id="1" name=""/>
+        <p:cNvGrpSpPr/>
+        <p:nvPr/>
+      </p:nvGrpSpPr>
+      <p:grpSpPr>
+        <a:xfrm>
+          <a:off x="0" y="0"/>
+          <a:ext cx="0" cy="0"/>
+          <a:chOff x="0" y="0"/>
+          <a:chExt cx="0" cy="0"/>
+        </a:xfrm>
+      </p:grpSpPr>
+      <p:sp>
+        <p:nvSpPr>
+          <p:cNvPr id="2" name="Title 1">
+            <a:extLst>
+              <a:ext uri="{FF2B5EF4-FFF2-40B4-BE49-F238E27FC236}">
+                <a16:creationId xmlns:a16="http://schemas.microsoft.com/office/drawing/2014/main" id="{B6CC1E62-0307-8425-2203-9D1E72FF3C30}"/>
+              </a:ext>
+            </a:extLst>
+          </p:cNvPr>
+          <p:cNvSpPr>
+            <a:spLocks noGrp="1"/>
+          </p:cNvSpPr>
+          <p:nvPr>
+            <p:ph type="title"/>
+          </p:nvPr>
+        </p:nvSpPr>
+        <p:spPr/>
+        <p:txBody>
+          <a:bodyPr/>
+          <a:lstStyle/>
+          <a:p>
+            <a:r>
+              <a:rPr lang="en-US" dirty="0"/>
+              <a:t>TODO</a:t>
+            </a:r>
+          </a:p>
+        </p:txBody>
+      </p:sp>
+      <p:sp>
+        <p:nvSpPr>
+          <p:cNvPr id="3" name="Content Placeholder 2">
+            <a:extLst>
+              <a:ext uri="{FF2B5EF4-FFF2-40B4-BE49-F238E27FC236}">
+                <a16:creationId xmlns:a16="http://schemas.microsoft.com/office/drawing/2014/main" id="{F55447AB-9B1C-7FD8-8F42-463E51CC2A7B}"/>
+              </a:ext>
+            </a:extLst>
+          </p:cNvPr>
+          <p:cNvSpPr>
+            <a:spLocks noGrp="1"/>
+          </p:cNvSpPr>
+          <p:nvPr>
+            <p:ph idx="1"/>
+          </p:nvPr>
+        </p:nvSpPr>
+        <p:spPr/>
+        <p:txBody>
+          <a:bodyPr/>
+          <a:lstStyle/>
+          <a:p>
+            <a:r>
+              <a:rPr lang="en-US" dirty="0" err="1"/>
+              <a:t>Explanability</a:t>
+            </a:r>
+            <a:r>
+              <a:rPr lang="en-US" dirty="0"/>
+              <a:t> via </a:t>
+            </a:r>
+            <a:r>
+              <a:rPr lang="en-US" dirty="0" err="1"/>
+              <a:t>Shap</a:t>
+            </a:r>
+            <a:endParaRPr lang="en-US" dirty="0"/>
+          </a:p>
+          <a:p>
+            <a:r>
+              <a:rPr lang="en-US" dirty="0"/>
+              <a:t>Clustering techniques to find the better grouping of regions or some other features</a:t>
+            </a:r>
+          </a:p>
+          <a:p>
+            <a:r>
+              <a:rPr lang="en-US" dirty="0"/>
+              <a:t>Improving the code quality</a:t>
+            </a:r>
+          </a:p>
+        </p:txBody>
+      </p:sp>
+    </p:spTree>
+    <p:extLst>
+      <p:ext uri="{BB962C8B-B14F-4D97-AF65-F5344CB8AC3E}">
+        <p14:creationId xmlns:p14="http://schemas.microsoft.com/office/powerpoint/2010/main" val="3122288572"/>
       </p:ext>
     </p:extLst>
   </p:cSld>
@@ -4001,7 +4633,19 @@
           <a:p>
             <a:r>
               <a:rPr lang="en-US" dirty="0"/>
-              <a:t> Recommendations</a:t>
+              <a:t>Model Interpretability</a:t>
+            </a:r>
+          </a:p>
+          <a:p>
+            <a:r>
+              <a:rPr lang="en-US" dirty="0"/>
+              <a:t>Predictions</a:t>
+            </a:r>
+          </a:p>
+          <a:p>
+            <a:r>
+              <a:rPr lang="en-US" dirty="0"/>
+              <a:t>Recommendations</a:t>
             </a:r>
           </a:p>
           <a:p>
@@ -6214,7 +6858,7 @@
             </a:r>
             <a:r>
               <a:rPr lang="en-US" dirty="0"/>
-              <a:t>, base model has 0.50 f1 score</a:t>
+              <a:t>, base model has 0.47 f1 score</a:t>
             </a:r>
           </a:p>
           <a:p>
@@ -6228,13 +6872,13 @@
             </a:r>
             <a:r>
               <a:rPr lang="en-US" dirty="0"/>
-              <a:t> and we got around 0.55 f1 score for region based models </a:t>
-            </a:r>
-          </a:p>
-          <a:p>
-            <a:r>
-              <a:rPr lang="en-US" dirty="0"/>
-              <a:t>As the dataset is imbalanced, I have determined the thresholds that would determine the higher precision and higher recall. With these experiments we got 0.59 f1 score</a:t>
+              <a:t> and we got around 0.55 to 0.59 f1 score for region based models </a:t>
+            </a:r>
+          </a:p>
+          <a:p>
+            <a:r>
+              <a:rPr lang="en-US" dirty="0"/>
+              <a:t>As the dataset is imbalanced, I have determined the thresholds that would determine the higher precision and higher recall. With these experiments we got 0.59 to 0.61 f1 score</a:t>
             </a:r>
           </a:p>
           <a:p>
@@ -6248,7 +6892,7 @@
             </a:r>
             <a:r>
               <a:rPr lang="en-US" dirty="0"/>
-              <a:t> hyper parameters to reduce the overfitting and improve f1 score. We have got 0.61 to 0.63 f1 score</a:t>
+              <a:t> hyper parameters to reduce the overfitting and improve f1 score. We have got 0.59 to 0.63 f1 score</a:t>
             </a:r>
           </a:p>
         </p:txBody>
